--- a/docs/figs-tables/figures/schematic.pptx
+++ b/docs/figs-tables/figures/schematic.pptx
@@ -7,6 +7,7 @@
   <p:sldIdLst>
     <p:sldId id="256" r:id="rId2"/>
     <p:sldId id="257" r:id="rId3"/>
+    <p:sldId id="259" r:id="rId4"/>
   </p:sldIdLst>
   <p:sldSz cx="12192000" cy="6858000"/>
   <p:notesSz cx="6858000" cy="9144000"/>
@@ -105,6 +106,11 @@
       </a:defRPr>
     </a:lvl9pPr>
   </p:defaultTextStyle>
+  <p:extLst>
+    <p:ext uri="{EFAFB233-063F-42B5-8137-9DF3F51BA10A}">
+      <p15:sldGuideLst xmlns:p15="http://schemas.microsoft.com/office/powerpoint/2012/main"/>
+    </p:ext>
+  </p:extLst>
 </p:presentation>
 </file>
 
@@ -255,7 +261,7 @@
           <a:p>
             <a:fld id="{D535B9D0-D9CF-4EE4-8E7D-C870A5900BEE}" type="datetimeFigureOut">
               <a:rPr lang="en-US" smtClean="0"/>
-              <a:t>2/9/2023</a:t>
+              <a:t>7/27/2023</a:t>
             </a:fld>
             <a:endParaRPr lang="en-US"/>
           </a:p>
@@ -453,7 +459,7 @@
           <a:p>
             <a:fld id="{D535B9D0-D9CF-4EE4-8E7D-C870A5900BEE}" type="datetimeFigureOut">
               <a:rPr lang="en-US" smtClean="0"/>
-              <a:t>2/9/2023</a:t>
+              <a:t>7/27/2023</a:t>
             </a:fld>
             <a:endParaRPr lang="en-US"/>
           </a:p>
@@ -661,7 +667,7 @@
           <a:p>
             <a:fld id="{D535B9D0-D9CF-4EE4-8E7D-C870A5900BEE}" type="datetimeFigureOut">
               <a:rPr lang="en-US" smtClean="0"/>
-              <a:t>2/9/2023</a:t>
+              <a:t>7/27/2023</a:t>
             </a:fld>
             <a:endParaRPr lang="en-US"/>
           </a:p>
@@ -859,7 +865,7 @@
           <a:p>
             <a:fld id="{D535B9D0-D9CF-4EE4-8E7D-C870A5900BEE}" type="datetimeFigureOut">
               <a:rPr lang="en-US" smtClean="0"/>
-              <a:t>2/9/2023</a:t>
+              <a:t>7/27/2023</a:t>
             </a:fld>
             <a:endParaRPr lang="en-US"/>
           </a:p>
@@ -1134,7 +1140,7 @@
           <a:p>
             <a:fld id="{D535B9D0-D9CF-4EE4-8E7D-C870A5900BEE}" type="datetimeFigureOut">
               <a:rPr lang="en-US" smtClean="0"/>
-              <a:t>2/9/2023</a:t>
+              <a:t>7/27/2023</a:t>
             </a:fld>
             <a:endParaRPr lang="en-US"/>
           </a:p>
@@ -1399,7 +1405,7 @@
           <a:p>
             <a:fld id="{D535B9D0-D9CF-4EE4-8E7D-C870A5900BEE}" type="datetimeFigureOut">
               <a:rPr lang="en-US" smtClean="0"/>
-              <a:t>2/9/2023</a:t>
+              <a:t>7/27/2023</a:t>
             </a:fld>
             <a:endParaRPr lang="en-US"/>
           </a:p>
@@ -1811,7 +1817,7 @@
           <a:p>
             <a:fld id="{D535B9D0-D9CF-4EE4-8E7D-C870A5900BEE}" type="datetimeFigureOut">
               <a:rPr lang="en-US" smtClean="0"/>
-              <a:t>2/9/2023</a:t>
+              <a:t>7/27/2023</a:t>
             </a:fld>
             <a:endParaRPr lang="en-US"/>
           </a:p>
@@ -1952,7 +1958,7 @@
           <a:p>
             <a:fld id="{D535B9D0-D9CF-4EE4-8E7D-C870A5900BEE}" type="datetimeFigureOut">
               <a:rPr lang="en-US" smtClean="0"/>
-              <a:t>2/9/2023</a:t>
+              <a:t>7/27/2023</a:t>
             </a:fld>
             <a:endParaRPr lang="en-US"/>
           </a:p>
@@ -2065,7 +2071,7 @@
           <a:p>
             <a:fld id="{D535B9D0-D9CF-4EE4-8E7D-C870A5900BEE}" type="datetimeFigureOut">
               <a:rPr lang="en-US" smtClean="0"/>
-              <a:t>2/9/2023</a:t>
+              <a:t>7/27/2023</a:t>
             </a:fld>
             <a:endParaRPr lang="en-US"/>
           </a:p>
@@ -2376,7 +2382,7 @@
           <a:p>
             <a:fld id="{D535B9D0-D9CF-4EE4-8E7D-C870A5900BEE}" type="datetimeFigureOut">
               <a:rPr lang="en-US" smtClean="0"/>
-              <a:t>2/9/2023</a:t>
+              <a:t>7/27/2023</a:t>
             </a:fld>
             <a:endParaRPr lang="en-US"/>
           </a:p>
@@ -2664,7 +2670,7 @@
           <a:p>
             <a:fld id="{D535B9D0-D9CF-4EE4-8E7D-C870A5900BEE}" type="datetimeFigureOut">
               <a:rPr lang="en-US" smtClean="0"/>
-              <a:t>2/9/2023</a:t>
+              <a:t>7/27/2023</a:t>
             </a:fld>
             <a:endParaRPr lang="en-US"/>
           </a:p>
@@ -2905,7 +2911,7 @@
           <a:p>
             <a:fld id="{D535B9D0-D9CF-4EE4-8E7D-C870A5900BEE}" type="datetimeFigureOut">
               <a:rPr lang="en-US" smtClean="0"/>
-              <a:t>2/9/2023</a:t>
+              <a:t>7/27/2023</a:t>
             </a:fld>
             <a:endParaRPr lang="en-US"/>
           </a:p>
@@ -4927,6 +4933,1216 @@
 </p:sld>
 </file>
 
+<file path=ppt/slides/slide3.xml><?xml version="1.0" encoding="utf-8"?>
+<p:sld xmlns:a="http://schemas.openxmlformats.org/drawingml/2006/main" xmlns:r="http://schemas.openxmlformats.org/officeDocument/2006/relationships" xmlns:p="http://schemas.openxmlformats.org/presentationml/2006/main">
+  <p:cSld>
+    <p:spTree>
+      <p:nvGrpSpPr>
+        <p:cNvPr id="1" name=""/>
+        <p:cNvGrpSpPr/>
+        <p:nvPr/>
+      </p:nvGrpSpPr>
+      <p:grpSpPr>
+        <a:xfrm>
+          <a:off x="0" y="0"/>
+          <a:ext cx="0" cy="0"/>
+          <a:chOff x="0" y="0"/>
+          <a:chExt cx="0" cy="0"/>
+        </a:xfrm>
+      </p:grpSpPr>
+      <p:sp>
+        <p:nvSpPr>
+          <p:cNvPr id="3" name="TextBox 2">
+            <a:extLst>
+              <a:ext uri="{FF2B5EF4-FFF2-40B4-BE49-F238E27FC236}">
+                <a16:creationId xmlns:a16="http://schemas.microsoft.com/office/drawing/2014/main" id="{BC3B8158-9B10-4C3B-BBEB-8C8B0CFB517C}"/>
+              </a:ext>
+            </a:extLst>
+          </p:cNvPr>
+          <p:cNvSpPr txBox="1"/>
+          <p:nvPr/>
+        </p:nvSpPr>
+        <p:spPr>
+          <a:xfrm>
+            <a:off x="-30564" y="823590"/>
+            <a:ext cx="2691441" cy="646331"/>
+          </a:xfrm>
+          <a:prstGeom prst="rect">
+            <a:avLst/>
+          </a:prstGeom>
+          <a:noFill/>
+        </p:spPr>
+        <p:txBody>
+          <a:bodyPr wrap="square" rtlCol="0">
+            <a:spAutoFit/>
+          </a:bodyPr>
+          <a:lstStyle/>
+          <a:p>
+            <a:pPr algn="r"/>
+            <a:r>
+              <a:rPr lang="en-US" dirty="0"/>
+              <a:t>Pearson residuals assumption</a:t>
+            </a:r>
+          </a:p>
+        </p:txBody>
+      </p:sp>
+      <p:sp>
+        <p:nvSpPr>
+          <p:cNvPr id="4" name="TextBox 3">
+            <a:extLst>
+              <a:ext uri="{FF2B5EF4-FFF2-40B4-BE49-F238E27FC236}">
+                <a16:creationId xmlns:a16="http://schemas.microsoft.com/office/drawing/2014/main" id="{4A565E38-D46D-47DD-8243-ECE2F9E9C4AA}"/>
+              </a:ext>
+            </a:extLst>
+          </p:cNvPr>
+          <p:cNvSpPr txBox="1"/>
+          <p:nvPr/>
+        </p:nvSpPr>
+        <p:spPr>
+          <a:xfrm>
+            <a:off x="3559833" y="888218"/>
+            <a:ext cx="2113472" cy="646331"/>
+          </a:xfrm>
+          <a:prstGeom prst="rect">
+            <a:avLst/>
+          </a:prstGeom>
+          <a:noFill/>
+          <a:ln>
+            <a:solidFill>
+              <a:schemeClr val="tx1"/>
+            </a:solidFill>
+          </a:ln>
+        </p:spPr>
+        <p:txBody>
+          <a:bodyPr wrap="square" rtlCol="0">
+            <a:spAutoFit/>
+          </a:bodyPr>
+          <a:lstStyle/>
+          <a:p>
+            <a:pPr algn="ctr"/>
+            <a:r>
+              <a:rPr lang="en-US" dirty="0"/>
+              <a:t>Approximate Normality</a:t>
+            </a:r>
+          </a:p>
+        </p:txBody>
+      </p:sp>
+      <p:sp>
+        <p:nvSpPr>
+          <p:cNvPr id="5" name="TextBox 4">
+            <a:extLst>
+              <a:ext uri="{FF2B5EF4-FFF2-40B4-BE49-F238E27FC236}">
+                <a16:creationId xmlns:a16="http://schemas.microsoft.com/office/drawing/2014/main" id="{5A587B37-9AA8-47E4-87E9-4CB552998AE4}"/>
+              </a:ext>
+            </a:extLst>
+          </p:cNvPr>
+          <p:cNvSpPr txBox="1"/>
+          <p:nvPr/>
+        </p:nvSpPr>
+        <p:spPr>
+          <a:xfrm>
+            <a:off x="5988188" y="1015231"/>
+            <a:ext cx="2113472" cy="369332"/>
+          </a:xfrm>
+          <a:prstGeom prst="rect">
+            <a:avLst/>
+          </a:prstGeom>
+          <a:noFill/>
+          <a:ln>
+            <a:solidFill>
+              <a:schemeClr val="tx1"/>
+            </a:solidFill>
+          </a:ln>
+        </p:spPr>
+        <p:txBody>
+          <a:bodyPr wrap="square" rtlCol="0">
+            <a:spAutoFit/>
+          </a:bodyPr>
+          <a:lstStyle/>
+          <a:p>
+            <a:pPr algn="ctr"/>
+            <a:r>
+              <a:rPr lang="en-US" dirty="0"/>
+              <a:t>Independence</a:t>
+            </a:r>
+          </a:p>
+        </p:txBody>
+      </p:sp>
+      <p:sp>
+        <p:nvSpPr>
+          <p:cNvPr id="6" name="TextBox 5">
+            <a:extLst>
+              <a:ext uri="{FF2B5EF4-FFF2-40B4-BE49-F238E27FC236}">
+                <a16:creationId xmlns:a16="http://schemas.microsoft.com/office/drawing/2014/main" id="{B2460E5D-3CB3-4588-B32D-9FF433C28797}"/>
+              </a:ext>
+            </a:extLst>
+          </p:cNvPr>
+          <p:cNvSpPr txBox="1"/>
+          <p:nvPr/>
+        </p:nvSpPr>
+        <p:spPr>
+          <a:xfrm>
+            <a:off x="3140728" y="2541918"/>
+            <a:ext cx="1068959" cy="369332"/>
+          </a:xfrm>
+          <a:prstGeom prst="rect">
+            <a:avLst/>
+          </a:prstGeom>
+          <a:noFill/>
+          <a:ln>
+            <a:solidFill>
+              <a:schemeClr val="tx1"/>
+            </a:solidFill>
+          </a:ln>
+        </p:spPr>
+        <p:txBody>
+          <a:bodyPr wrap="square" rtlCol="0">
+            <a:spAutoFit/>
+          </a:bodyPr>
+          <a:lstStyle/>
+          <a:p>
+            <a:pPr algn="ctr"/>
+            <a:r>
+              <a:rPr lang="en-US" dirty="0"/>
+              <a:t>GLM</a:t>
+            </a:r>
+          </a:p>
+        </p:txBody>
+      </p:sp>
+      <p:sp>
+        <p:nvSpPr>
+          <p:cNvPr id="7" name="TextBox 6">
+            <a:extLst>
+              <a:ext uri="{FF2B5EF4-FFF2-40B4-BE49-F238E27FC236}">
+                <a16:creationId xmlns:a16="http://schemas.microsoft.com/office/drawing/2014/main" id="{8F120018-D0A9-41E5-9A12-E1A02F59A6A0}"/>
+              </a:ext>
+            </a:extLst>
+          </p:cNvPr>
+          <p:cNvSpPr txBox="1"/>
+          <p:nvPr/>
+        </p:nvSpPr>
+        <p:spPr>
+          <a:xfrm>
+            <a:off x="4628800" y="2520351"/>
+            <a:ext cx="2113472" cy="369332"/>
+          </a:xfrm>
+          <a:prstGeom prst="rect">
+            <a:avLst/>
+          </a:prstGeom>
+          <a:noFill/>
+          <a:ln>
+            <a:solidFill>
+              <a:schemeClr val="tx1"/>
+            </a:solidFill>
+          </a:ln>
+        </p:spPr>
+        <p:txBody>
+          <a:bodyPr wrap="square" rtlCol="0">
+            <a:spAutoFit/>
+          </a:bodyPr>
+          <a:lstStyle/>
+          <a:p>
+            <a:pPr algn="ctr"/>
+            <a:r>
+              <a:rPr lang="en-US" dirty="0"/>
+              <a:t>GLMM</a:t>
+            </a:r>
+          </a:p>
+        </p:txBody>
+      </p:sp>
+      <p:sp>
+        <p:nvSpPr>
+          <p:cNvPr id="8" name="TextBox 7">
+            <a:extLst>
+              <a:ext uri="{FF2B5EF4-FFF2-40B4-BE49-F238E27FC236}">
+                <a16:creationId xmlns:a16="http://schemas.microsoft.com/office/drawing/2014/main" id="{15469562-F587-4CCE-A03C-FA5CF7638764}"/>
+              </a:ext>
+            </a:extLst>
+          </p:cNvPr>
+          <p:cNvSpPr txBox="1"/>
+          <p:nvPr/>
+        </p:nvSpPr>
+        <p:spPr>
+          <a:xfrm>
+            <a:off x="7044924" y="2524666"/>
+            <a:ext cx="2113472" cy="369332"/>
+          </a:xfrm>
+          <a:prstGeom prst="rect">
+            <a:avLst/>
+          </a:prstGeom>
+          <a:noFill/>
+          <a:ln>
+            <a:solidFill>
+              <a:schemeClr val="tx1"/>
+            </a:solidFill>
+          </a:ln>
+        </p:spPr>
+        <p:txBody>
+          <a:bodyPr wrap="square" rtlCol="0">
+            <a:spAutoFit/>
+          </a:bodyPr>
+          <a:lstStyle/>
+          <a:p>
+            <a:pPr algn="ctr"/>
+            <a:r>
+              <a:rPr lang="en-US" dirty="0"/>
+              <a:t>LMM</a:t>
+            </a:r>
+          </a:p>
+        </p:txBody>
+      </p:sp>
+      <p:sp>
+        <p:nvSpPr>
+          <p:cNvPr id="9" name="TextBox 8">
+            <a:extLst>
+              <a:ext uri="{FF2B5EF4-FFF2-40B4-BE49-F238E27FC236}">
+                <a16:creationId xmlns:a16="http://schemas.microsoft.com/office/drawing/2014/main" id="{1B80FF88-ADD7-4E55-A6A8-F90ABB740ACE}"/>
+              </a:ext>
+            </a:extLst>
+          </p:cNvPr>
+          <p:cNvSpPr txBox="1"/>
+          <p:nvPr/>
+        </p:nvSpPr>
+        <p:spPr>
+          <a:xfrm>
+            <a:off x="3045123" y="3324211"/>
+            <a:ext cx="1258737" cy="646331"/>
+          </a:xfrm>
+          <a:prstGeom prst="rect">
+            <a:avLst/>
+          </a:prstGeom>
+          <a:noFill/>
+          <a:ln>
+            <a:solidFill>
+              <a:schemeClr val="tx1"/>
+            </a:solidFill>
+          </a:ln>
+        </p:spPr>
+        <p:txBody>
+          <a:bodyPr wrap="square" rtlCol="0">
+            <a:spAutoFit/>
+          </a:bodyPr>
+          <a:lstStyle/>
+          <a:p>
+            <a:pPr algn="ctr"/>
+            <a:r>
+              <a:rPr lang="en-US" dirty="0"/>
+              <a:t>Quantile residuals</a:t>
+            </a:r>
+          </a:p>
+        </p:txBody>
+      </p:sp>
+      <p:sp>
+        <p:nvSpPr>
+          <p:cNvPr id="10" name="TextBox 9">
+            <a:extLst>
+              <a:ext uri="{FF2B5EF4-FFF2-40B4-BE49-F238E27FC236}">
+                <a16:creationId xmlns:a16="http://schemas.microsoft.com/office/drawing/2014/main" id="{A5D969E0-AA10-4B61-87CB-CFC3C4327B7D}"/>
+              </a:ext>
+            </a:extLst>
+          </p:cNvPr>
+          <p:cNvSpPr txBox="1"/>
+          <p:nvPr/>
+        </p:nvSpPr>
+        <p:spPr>
+          <a:xfrm>
+            <a:off x="4642098" y="3319415"/>
+            <a:ext cx="2113472" cy="923330"/>
+          </a:xfrm>
+          <a:prstGeom prst="rect">
+            <a:avLst/>
+          </a:prstGeom>
+          <a:noFill/>
+          <a:ln>
+            <a:solidFill>
+              <a:schemeClr val="tx1"/>
+            </a:solidFill>
+          </a:ln>
+        </p:spPr>
+        <p:txBody>
+          <a:bodyPr wrap="square" rtlCol="0">
+            <a:spAutoFit/>
+          </a:bodyPr>
+          <a:lstStyle/>
+          <a:p>
+            <a:pPr algn="ctr"/>
+            <a:r>
+              <a:rPr lang="en-US" dirty="0"/>
+              <a:t>Non-linearly decorrelated quantile residuals</a:t>
+            </a:r>
+          </a:p>
+        </p:txBody>
+      </p:sp>
+      <p:sp>
+        <p:nvSpPr>
+          <p:cNvPr id="11" name="TextBox 10">
+            <a:extLst>
+              <a:ext uri="{FF2B5EF4-FFF2-40B4-BE49-F238E27FC236}">
+                <a16:creationId xmlns:a16="http://schemas.microsoft.com/office/drawing/2014/main" id="{F1379AF3-6B33-48EE-BB1A-489D33371CE8}"/>
+              </a:ext>
+            </a:extLst>
+          </p:cNvPr>
+          <p:cNvSpPr txBox="1"/>
+          <p:nvPr/>
+        </p:nvSpPr>
+        <p:spPr>
+          <a:xfrm>
+            <a:off x="7048517" y="3289391"/>
+            <a:ext cx="2113472" cy="923330"/>
+          </a:xfrm>
+          <a:prstGeom prst="rect">
+            <a:avLst/>
+          </a:prstGeom>
+          <a:noFill/>
+          <a:ln>
+            <a:solidFill>
+              <a:schemeClr val="tx1"/>
+            </a:solidFill>
+          </a:ln>
+        </p:spPr>
+        <p:txBody>
+          <a:bodyPr wrap="square" rtlCol="0">
+            <a:spAutoFit/>
+          </a:bodyPr>
+          <a:lstStyle/>
+          <a:p>
+            <a:pPr algn="ctr"/>
+            <a:r>
+              <a:rPr lang="en-US" dirty="0"/>
+              <a:t>Linearly decorrelated Pearson residuals</a:t>
+            </a:r>
+          </a:p>
+        </p:txBody>
+      </p:sp>
+      <p:cxnSp>
+        <p:nvCxnSpPr>
+          <p:cNvPr id="13" name="Straight Arrow Connector 12">
+            <a:extLst>
+              <a:ext uri="{FF2B5EF4-FFF2-40B4-BE49-F238E27FC236}">
+                <a16:creationId xmlns:a16="http://schemas.microsoft.com/office/drawing/2014/main" id="{F76F72BB-A9BE-45D1-A1E3-F4CD8E189CA0}"/>
+              </a:ext>
+            </a:extLst>
+          </p:cNvPr>
+          <p:cNvCxnSpPr>
+            <a:cxnSpLocks/>
+            <a:stCxn id="4" idx="2"/>
+            <a:endCxn id="6" idx="0"/>
+          </p:cNvCxnSpPr>
+          <p:nvPr/>
+        </p:nvCxnSpPr>
+        <p:spPr>
+          <a:xfrm flipH="1">
+            <a:off x="3675208" y="1534549"/>
+            <a:ext cx="941361" cy="1007369"/>
+          </a:xfrm>
+          <a:prstGeom prst="straightConnector1">
+            <a:avLst/>
+          </a:prstGeom>
+          <a:ln>
+            <a:tailEnd type="triangle"/>
+          </a:ln>
+        </p:spPr>
+        <p:style>
+          <a:lnRef idx="1">
+            <a:schemeClr val="accent1"/>
+          </a:lnRef>
+          <a:fillRef idx="0">
+            <a:schemeClr val="accent1"/>
+          </a:fillRef>
+          <a:effectRef idx="0">
+            <a:schemeClr val="accent1"/>
+          </a:effectRef>
+          <a:fontRef idx="minor">
+            <a:schemeClr val="tx1"/>
+          </a:fontRef>
+        </p:style>
+      </p:cxnSp>
+      <p:sp>
+        <p:nvSpPr>
+          <p:cNvPr id="14" name="TextBox 13">
+            <a:extLst>
+              <a:ext uri="{FF2B5EF4-FFF2-40B4-BE49-F238E27FC236}">
+                <a16:creationId xmlns:a16="http://schemas.microsoft.com/office/drawing/2014/main" id="{CCF3703A-5720-42B7-A6B3-0981A9B7B61C}"/>
+              </a:ext>
+            </a:extLst>
+          </p:cNvPr>
+          <p:cNvSpPr txBox="1"/>
+          <p:nvPr/>
+        </p:nvSpPr>
+        <p:spPr>
+          <a:xfrm>
+            <a:off x="3950177" y="1803413"/>
+            <a:ext cx="353683" cy="461665"/>
+          </a:xfrm>
+          <a:prstGeom prst="rect">
+            <a:avLst/>
+          </a:prstGeom>
+          <a:noFill/>
+        </p:spPr>
+        <p:txBody>
+          <a:bodyPr wrap="square" rtlCol="0">
+            <a:spAutoFit/>
+          </a:bodyPr>
+          <a:lstStyle/>
+          <a:p>
+            <a:r>
+              <a:rPr lang="en-US" sz="2400" b="1" dirty="0">
+                <a:solidFill>
+                  <a:srgbClr val="FF0000"/>
+                </a:solidFill>
+              </a:rPr>
+              <a:t>X</a:t>
+            </a:r>
+          </a:p>
+        </p:txBody>
+      </p:sp>
+      <p:cxnSp>
+        <p:nvCxnSpPr>
+          <p:cNvPr id="15" name="Straight Arrow Connector 14">
+            <a:extLst>
+              <a:ext uri="{FF2B5EF4-FFF2-40B4-BE49-F238E27FC236}">
+                <a16:creationId xmlns:a16="http://schemas.microsoft.com/office/drawing/2014/main" id="{8AC99B19-5815-45C4-AB2A-191F65722A19}"/>
+              </a:ext>
+            </a:extLst>
+          </p:cNvPr>
+          <p:cNvCxnSpPr>
+            <a:cxnSpLocks/>
+            <a:stCxn id="5" idx="2"/>
+            <a:endCxn id="8" idx="0"/>
+          </p:cNvCxnSpPr>
+          <p:nvPr/>
+        </p:nvCxnSpPr>
+        <p:spPr>
+          <a:xfrm>
+            <a:off x="7044924" y="1384563"/>
+            <a:ext cx="1056736" cy="1140103"/>
+          </a:xfrm>
+          <a:prstGeom prst="straightConnector1">
+            <a:avLst/>
+          </a:prstGeom>
+          <a:ln>
+            <a:tailEnd type="triangle"/>
+          </a:ln>
+        </p:spPr>
+        <p:style>
+          <a:lnRef idx="1">
+            <a:schemeClr val="accent1"/>
+          </a:lnRef>
+          <a:fillRef idx="0">
+            <a:schemeClr val="accent1"/>
+          </a:fillRef>
+          <a:effectRef idx="0">
+            <a:schemeClr val="accent1"/>
+          </a:effectRef>
+          <a:fontRef idx="minor">
+            <a:schemeClr val="tx1"/>
+          </a:fontRef>
+        </p:style>
+      </p:cxnSp>
+      <p:sp>
+        <p:nvSpPr>
+          <p:cNvPr id="16" name="TextBox 15">
+            <a:extLst>
+              <a:ext uri="{FF2B5EF4-FFF2-40B4-BE49-F238E27FC236}">
+                <a16:creationId xmlns:a16="http://schemas.microsoft.com/office/drawing/2014/main" id="{8E5E25A1-9468-495F-BCD2-2D4471D08E1E}"/>
+              </a:ext>
+            </a:extLst>
+          </p:cNvPr>
+          <p:cNvSpPr txBox="1"/>
+          <p:nvPr/>
+        </p:nvSpPr>
+        <p:spPr>
+          <a:xfrm>
+            <a:off x="7372042" y="1705763"/>
+            <a:ext cx="353683" cy="461665"/>
+          </a:xfrm>
+          <a:prstGeom prst="rect">
+            <a:avLst/>
+          </a:prstGeom>
+          <a:noFill/>
+        </p:spPr>
+        <p:txBody>
+          <a:bodyPr wrap="square" rtlCol="0">
+            <a:spAutoFit/>
+          </a:bodyPr>
+          <a:lstStyle/>
+          <a:p>
+            <a:r>
+              <a:rPr lang="en-US" sz="2400" b="1" dirty="0">
+                <a:solidFill>
+                  <a:srgbClr val="FF0000"/>
+                </a:solidFill>
+              </a:rPr>
+              <a:t>X</a:t>
+            </a:r>
+          </a:p>
+        </p:txBody>
+      </p:sp>
+      <p:cxnSp>
+        <p:nvCxnSpPr>
+          <p:cNvPr id="18" name="Straight Arrow Connector 17">
+            <a:extLst>
+              <a:ext uri="{FF2B5EF4-FFF2-40B4-BE49-F238E27FC236}">
+                <a16:creationId xmlns:a16="http://schemas.microsoft.com/office/drawing/2014/main" id="{CCB39F76-D293-4492-9B35-7C58D298C1A9}"/>
+              </a:ext>
+            </a:extLst>
+          </p:cNvPr>
+          <p:cNvCxnSpPr>
+            <a:cxnSpLocks/>
+            <a:stCxn id="4" idx="2"/>
+            <a:endCxn id="7" idx="0"/>
+          </p:cNvCxnSpPr>
+          <p:nvPr/>
+        </p:nvCxnSpPr>
+        <p:spPr>
+          <a:xfrm>
+            <a:off x="4616569" y="1534549"/>
+            <a:ext cx="1068967" cy="985802"/>
+          </a:xfrm>
+          <a:prstGeom prst="straightConnector1">
+            <a:avLst/>
+          </a:prstGeom>
+          <a:ln>
+            <a:tailEnd type="triangle"/>
+          </a:ln>
+        </p:spPr>
+        <p:style>
+          <a:lnRef idx="1">
+            <a:schemeClr val="accent1"/>
+          </a:lnRef>
+          <a:fillRef idx="0">
+            <a:schemeClr val="accent1"/>
+          </a:fillRef>
+          <a:effectRef idx="0">
+            <a:schemeClr val="accent1"/>
+          </a:effectRef>
+          <a:fontRef idx="minor">
+            <a:schemeClr val="tx1"/>
+          </a:fontRef>
+        </p:style>
+      </p:cxnSp>
+      <p:sp>
+        <p:nvSpPr>
+          <p:cNvPr id="19" name="TextBox 18">
+            <a:extLst>
+              <a:ext uri="{FF2B5EF4-FFF2-40B4-BE49-F238E27FC236}">
+                <a16:creationId xmlns:a16="http://schemas.microsoft.com/office/drawing/2014/main" id="{25156813-417D-4A6F-B4C6-9B4A5F4F73DD}"/>
+              </a:ext>
+            </a:extLst>
+          </p:cNvPr>
+          <p:cNvSpPr txBox="1"/>
+          <p:nvPr/>
+        </p:nvSpPr>
+        <p:spPr>
+          <a:xfrm>
+            <a:off x="5056877" y="1796617"/>
+            <a:ext cx="353683" cy="461665"/>
+          </a:xfrm>
+          <a:prstGeom prst="rect">
+            <a:avLst/>
+          </a:prstGeom>
+          <a:noFill/>
+        </p:spPr>
+        <p:txBody>
+          <a:bodyPr wrap="square" rtlCol="0">
+            <a:spAutoFit/>
+          </a:bodyPr>
+          <a:lstStyle/>
+          <a:p>
+            <a:r>
+              <a:rPr lang="en-US" sz="2400" b="1" dirty="0">
+                <a:solidFill>
+                  <a:srgbClr val="FF0000"/>
+                </a:solidFill>
+              </a:rPr>
+              <a:t>X</a:t>
+            </a:r>
+          </a:p>
+        </p:txBody>
+      </p:sp>
+      <p:cxnSp>
+        <p:nvCxnSpPr>
+          <p:cNvPr id="21" name="Straight Arrow Connector 20">
+            <a:extLst>
+              <a:ext uri="{FF2B5EF4-FFF2-40B4-BE49-F238E27FC236}">
+                <a16:creationId xmlns:a16="http://schemas.microsoft.com/office/drawing/2014/main" id="{2474D8D6-9EA9-4BAC-B695-76FF6191542A}"/>
+              </a:ext>
+            </a:extLst>
+          </p:cNvPr>
+          <p:cNvCxnSpPr>
+            <a:cxnSpLocks/>
+            <a:stCxn id="5" idx="2"/>
+            <a:endCxn id="7" idx="0"/>
+          </p:cNvCxnSpPr>
+          <p:nvPr/>
+        </p:nvCxnSpPr>
+        <p:spPr>
+          <a:xfrm flipH="1">
+            <a:off x="5685536" y="1384563"/>
+            <a:ext cx="1359388" cy="1135788"/>
+          </a:xfrm>
+          <a:prstGeom prst="straightConnector1">
+            <a:avLst/>
+          </a:prstGeom>
+          <a:ln>
+            <a:tailEnd type="triangle"/>
+          </a:ln>
+        </p:spPr>
+        <p:style>
+          <a:lnRef idx="1">
+            <a:schemeClr val="accent1"/>
+          </a:lnRef>
+          <a:fillRef idx="0">
+            <a:schemeClr val="accent1"/>
+          </a:fillRef>
+          <a:effectRef idx="0">
+            <a:schemeClr val="accent1"/>
+          </a:effectRef>
+          <a:fontRef idx="minor">
+            <a:schemeClr val="tx1"/>
+          </a:fontRef>
+        </p:style>
+      </p:cxnSp>
+      <p:sp>
+        <p:nvSpPr>
+          <p:cNvPr id="22" name="TextBox 21">
+            <a:extLst>
+              <a:ext uri="{FF2B5EF4-FFF2-40B4-BE49-F238E27FC236}">
+                <a16:creationId xmlns:a16="http://schemas.microsoft.com/office/drawing/2014/main" id="{748140E2-00CF-4E9E-9B16-5514615C9D44}"/>
+              </a:ext>
+            </a:extLst>
+          </p:cNvPr>
+          <p:cNvSpPr txBox="1"/>
+          <p:nvPr/>
+        </p:nvSpPr>
+        <p:spPr>
+          <a:xfrm>
+            <a:off x="6216076" y="1721287"/>
+            <a:ext cx="353683" cy="461665"/>
+          </a:xfrm>
+          <a:prstGeom prst="rect">
+            <a:avLst/>
+          </a:prstGeom>
+          <a:noFill/>
+        </p:spPr>
+        <p:txBody>
+          <a:bodyPr wrap="square" rtlCol="0">
+            <a:spAutoFit/>
+          </a:bodyPr>
+          <a:lstStyle/>
+          <a:p>
+            <a:r>
+              <a:rPr lang="en-US" sz="2400" b="1" dirty="0">
+                <a:solidFill>
+                  <a:srgbClr val="FF0000"/>
+                </a:solidFill>
+              </a:rPr>
+              <a:t>X</a:t>
+            </a:r>
+          </a:p>
+        </p:txBody>
+      </p:sp>
+      <p:cxnSp>
+        <p:nvCxnSpPr>
+          <p:cNvPr id="23" name="Straight Arrow Connector 22">
+            <a:extLst>
+              <a:ext uri="{FF2B5EF4-FFF2-40B4-BE49-F238E27FC236}">
+                <a16:creationId xmlns:a16="http://schemas.microsoft.com/office/drawing/2014/main" id="{30361CC1-7D57-4D7B-88E5-33BEE8D59E40}"/>
+              </a:ext>
+            </a:extLst>
+          </p:cNvPr>
+          <p:cNvCxnSpPr>
+            <a:cxnSpLocks/>
+            <a:stCxn id="6" idx="2"/>
+            <a:endCxn id="9" idx="0"/>
+          </p:cNvCxnSpPr>
+          <p:nvPr/>
+        </p:nvCxnSpPr>
+        <p:spPr>
+          <a:xfrm flipH="1">
+            <a:off x="3674492" y="2911250"/>
+            <a:ext cx="716" cy="412961"/>
+          </a:xfrm>
+          <a:prstGeom prst="straightConnector1">
+            <a:avLst/>
+          </a:prstGeom>
+          <a:ln>
+            <a:tailEnd type="triangle"/>
+          </a:ln>
+        </p:spPr>
+        <p:style>
+          <a:lnRef idx="1">
+            <a:schemeClr val="accent1"/>
+          </a:lnRef>
+          <a:fillRef idx="0">
+            <a:schemeClr val="accent1"/>
+          </a:fillRef>
+          <a:effectRef idx="0">
+            <a:schemeClr val="accent1"/>
+          </a:effectRef>
+          <a:fontRef idx="minor">
+            <a:schemeClr val="tx1"/>
+          </a:fontRef>
+        </p:style>
+      </p:cxnSp>
+      <p:sp>
+        <p:nvSpPr>
+          <p:cNvPr id="25" name="TextBox 24">
+            <a:extLst>
+              <a:ext uri="{FF2B5EF4-FFF2-40B4-BE49-F238E27FC236}">
+                <a16:creationId xmlns:a16="http://schemas.microsoft.com/office/drawing/2014/main" id="{7CCD5A71-9465-48D4-A14C-A96F4F0F3A25}"/>
+              </a:ext>
+            </a:extLst>
+          </p:cNvPr>
+          <p:cNvSpPr txBox="1"/>
+          <p:nvPr/>
+        </p:nvSpPr>
+        <p:spPr>
+          <a:xfrm>
+            <a:off x="935594" y="2541918"/>
+            <a:ext cx="1725283" cy="369332"/>
+          </a:xfrm>
+          <a:prstGeom prst="rect">
+            <a:avLst/>
+          </a:prstGeom>
+          <a:noFill/>
+        </p:spPr>
+        <p:txBody>
+          <a:bodyPr wrap="square" rtlCol="0">
+            <a:spAutoFit/>
+          </a:bodyPr>
+          <a:lstStyle/>
+          <a:p>
+            <a:pPr algn="r"/>
+            <a:r>
+              <a:rPr lang="en-US" dirty="0"/>
+              <a:t>Model class</a:t>
+            </a:r>
+          </a:p>
+        </p:txBody>
+      </p:sp>
+      <p:sp>
+        <p:nvSpPr>
+          <p:cNvPr id="26" name="TextBox 25">
+            <a:extLst>
+              <a:ext uri="{FF2B5EF4-FFF2-40B4-BE49-F238E27FC236}">
+                <a16:creationId xmlns:a16="http://schemas.microsoft.com/office/drawing/2014/main" id="{14153A0F-475E-4D24-A3CC-316C06D8C627}"/>
+              </a:ext>
+            </a:extLst>
+          </p:cNvPr>
+          <p:cNvSpPr txBox="1"/>
+          <p:nvPr/>
+        </p:nvSpPr>
+        <p:spPr>
+          <a:xfrm>
+            <a:off x="935594" y="3505199"/>
+            <a:ext cx="1725283" cy="369332"/>
+          </a:xfrm>
+          <a:prstGeom prst="rect">
+            <a:avLst/>
+          </a:prstGeom>
+          <a:noFill/>
+        </p:spPr>
+        <p:txBody>
+          <a:bodyPr wrap="square" rtlCol="0">
+            <a:spAutoFit/>
+          </a:bodyPr>
+          <a:lstStyle/>
+          <a:p>
+            <a:pPr algn="r"/>
+            <a:r>
+              <a:rPr lang="en-US" dirty="0"/>
+              <a:t>Solution</a:t>
+            </a:r>
+          </a:p>
+        </p:txBody>
+      </p:sp>
+      <p:sp>
+        <p:nvSpPr>
+          <p:cNvPr id="27" name="TextBox 26">
+            <a:extLst>
+              <a:ext uri="{FF2B5EF4-FFF2-40B4-BE49-F238E27FC236}">
+                <a16:creationId xmlns:a16="http://schemas.microsoft.com/office/drawing/2014/main" id="{86A8812C-3352-47ED-9D10-477FB2418E73}"/>
+              </a:ext>
+            </a:extLst>
+          </p:cNvPr>
+          <p:cNvSpPr txBox="1"/>
+          <p:nvPr/>
+        </p:nvSpPr>
+        <p:spPr>
+          <a:xfrm>
+            <a:off x="2868281" y="4497560"/>
+            <a:ext cx="1612420" cy="646331"/>
+          </a:xfrm>
+          <a:prstGeom prst="rect">
+            <a:avLst/>
+          </a:prstGeom>
+          <a:noFill/>
+          <a:ln>
+            <a:solidFill>
+              <a:schemeClr val="tx1"/>
+            </a:solidFill>
+          </a:ln>
+        </p:spPr>
+        <p:txBody>
+          <a:bodyPr wrap="square" rtlCol="0">
+            <a:spAutoFit/>
+          </a:bodyPr>
+          <a:lstStyle/>
+          <a:p>
+            <a:pPr algn="ctr"/>
+            <a:r>
+              <a:rPr lang="en-US" dirty="0"/>
+              <a:t>Simulation or OSA CDF</a:t>
+            </a:r>
+          </a:p>
+        </p:txBody>
+      </p:sp>
+      <p:sp>
+        <p:nvSpPr>
+          <p:cNvPr id="28" name="TextBox 27">
+            <a:extLst>
+              <a:ext uri="{FF2B5EF4-FFF2-40B4-BE49-F238E27FC236}">
+                <a16:creationId xmlns:a16="http://schemas.microsoft.com/office/drawing/2014/main" id="{7D146416-C7C2-452F-A4DB-0573331B61E1}"/>
+              </a:ext>
+            </a:extLst>
+          </p:cNvPr>
+          <p:cNvSpPr txBox="1"/>
+          <p:nvPr/>
+        </p:nvSpPr>
+        <p:spPr>
+          <a:xfrm>
+            <a:off x="4643895" y="4662407"/>
+            <a:ext cx="2113472" cy="369332"/>
+          </a:xfrm>
+          <a:prstGeom prst="rect">
+            <a:avLst/>
+          </a:prstGeom>
+          <a:noFill/>
+          <a:ln>
+            <a:solidFill>
+              <a:schemeClr val="tx1"/>
+            </a:solidFill>
+          </a:ln>
+        </p:spPr>
+        <p:txBody>
+          <a:bodyPr wrap="square" rtlCol="0">
+            <a:spAutoFit/>
+          </a:bodyPr>
+          <a:lstStyle/>
+          <a:p>
+            <a:pPr algn="ctr"/>
+            <a:r>
+              <a:rPr lang="en-US" dirty="0"/>
+              <a:t>OSA CDF</a:t>
+            </a:r>
+          </a:p>
+        </p:txBody>
+      </p:sp>
+      <p:sp>
+        <p:nvSpPr>
+          <p:cNvPr id="29" name="TextBox 28">
+            <a:extLst>
+              <a:ext uri="{FF2B5EF4-FFF2-40B4-BE49-F238E27FC236}">
+                <a16:creationId xmlns:a16="http://schemas.microsoft.com/office/drawing/2014/main" id="{3FA91217-E123-4261-9A1C-D7D1B39B341A}"/>
+              </a:ext>
+            </a:extLst>
+          </p:cNvPr>
+          <p:cNvSpPr txBox="1"/>
+          <p:nvPr/>
+        </p:nvSpPr>
+        <p:spPr>
+          <a:xfrm>
+            <a:off x="7056424" y="4471360"/>
+            <a:ext cx="2113472" cy="646331"/>
+          </a:xfrm>
+          <a:prstGeom prst="rect">
+            <a:avLst/>
+          </a:prstGeom>
+          <a:noFill/>
+          <a:ln>
+            <a:solidFill>
+              <a:schemeClr val="tx1"/>
+            </a:solidFill>
+          </a:ln>
+        </p:spPr>
+        <p:txBody>
+          <a:bodyPr wrap="square" rtlCol="0">
+            <a:spAutoFit/>
+          </a:bodyPr>
+          <a:lstStyle/>
+          <a:p>
+            <a:pPr algn="ctr"/>
+            <a:r>
+              <a:rPr lang="en-US" dirty="0"/>
+              <a:t>Rotated simulation or OSA FG</a:t>
+            </a:r>
+          </a:p>
+        </p:txBody>
+      </p:sp>
+      <p:sp>
+        <p:nvSpPr>
+          <p:cNvPr id="30" name="TextBox 29">
+            <a:extLst>
+              <a:ext uri="{FF2B5EF4-FFF2-40B4-BE49-F238E27FC236}">
+                <a16:creationId xmlns:a16="http://schemas.microsoft.com/office/drawing/2014/main" id="{8316EC89-137E-4CE7-B335-C55AAF12A739}"/>
+              </a:ext>
+            </a:extLst>
+          </p:cNvPr>
+          <p:cNvSpPr txBox="1"/>
+          <p:nvPr/>
+        </p:nvSpPr>
+        <p:spPr>
+          <a:xfrm>
+            <a:off x="800446" y="4675361"/>
+            <a:ext cx="1860431" cy="369332"/>
+          </a:xfrm>
+          <a:prstGeom prst="rect">
+            <a:avLst/>
+          </a:prstGeom>
+          <a:noFill/>
+        </p:spPr>
+        <p:txBody>
+          <a:bodyPr wrap="square" rtlCol="0">
+            <a:spAutoFit/>
+          </a:bodyPr>
+          <a:lstStyle/>
+          <a:p>
+            <a:pPr algn="r"/>
+            <a:r>
+              <a:rPr lang="en-US" dirty="0"/>
+              <a:t>Recommendation</a:t>
+            </a:r>
+          </a:p>
+        </p:txBody>
+      </p:sp>
+      <p:cxnSp>
+        <p:nvCxnSpPr>
+          <p:cNvPr id="34" name="Straight Arrow Connector 33">
+            <a:extLst>
+              <a:ext uri="{FF2B5EF4-FFF2-40B4-BE49-F238E27FC236}">
+                <a16:creationId xmlns:a16="http://schemas.microsoft.com/office/drawing/2014/main" id="{D274305C-7459-4CF6-BF5D-1C16E32380CC}"/>
+              </a:ext>
+            </a:extLst>
+          </p:cNvPr>
+          <p:cNvCxnSpPr>
+            <a:cxnSpLocks/>
+            <a:stCxn id="7" idx="2"/>
+          </p:cNvCxnSpPr>
+          <p:nvPr/>
+        </p:nvCxnSpPr>
+        <p:spPr>
+          <a:xfrm>
+            <a:off x="5685536" y="2889683"/>
+            <a:ext cx="13298" cy="434528"/>
+          </a:xfrm>
+          <a:prstGeom prst="straightConnector1">
+            <a:avLst/>
+          </a:prstGeom>
+          <a:ln>
+            <a:tailEnd type="triangle"/>
+          </a:ln>
+        </p:spPr>
+        <p:style>
+          <a:lnRef idx="1">
+            <a:schemeClr val="accent1"/>
+          </a:lnRef>
+          <a:fillRef idx="0">
+            <a:schemeClr val="accent1"/>
+          </a:fillRef>
+          <a:effectRef idx="0">
+            <a:schemeClr val="accent1"/>
+          </a:effectRef>
+          <a:fontRef idx="minor">
+            <a:schemeClr val="tx1"/>
+          </a:fontRef>
+        </p:style>
+      </p:cxnSp>
+      <p:cxnSp>
+        <p:nvCxnSpPr>
+          <p:cNvPr id="51" name="Straight Arrow Connector 50">
+            <a:extLst>
+              <a:ext uri="{FF2B5EF4-FFF2-40B4-BE49-F238E27FC236}">
+                <a16:creationId xmlns:a16="http://schemas.microsoft.com/office/drawing/2014/main" id="{EB4BCE47-4E52-4373-B6BE-EAB0B7B185A7}"/>
+              </a:ext>
+            </a:extLst>
+          </p:cNvPr>
+          <p:cNvCxnSpPr>
+            <a:cxnSpLocks/>
+            <a:stCxn id="8" idx="2"/>
+            <a:endCxn id="11" idx="0"/>
+          </p:cNvCxnSpPr>
+          <p:nvPr/>
+        </p:nvCxnSpPr>
+        <p:spPr>
+          <a:xfrm>
+            <a:off x="8101660" y="2893998"/>
+            <a:ext cx="3593" cy="395393"/>
+          </a:xfrm>
+          <a:prstGeom prst="straightConnector1">
+            <a:avLst/>
+          </a:prstGeom>
+          <a:ln>
+            <a:tailEnd type="triangle"/>
+          </a:ln>
+        </p:spPr>
+        <p:style>
+          <a:lnRef idx="1">
+            <a:schemeClr val="accent1"/>
+          </a:lnRef>
+          <a:fillRef idx="0">
+            <a:schemeClr val="accent1"/>
+          </a:fillRef>
+          <a:effectRef idx="0">
+            <a:schemeClr val="accent1"/>
+          </a:effectRef>
+          <a:fontRef idx="minor">
+            <a:schemeClr val="tx1"/>
+          </a:fontRef>
+        </p:style>
+      </p:cxnSp>
+      <p:cxnSp>
+        <p:nvCxnSpPr>
+          <p:cNvPr id="54" name="Straight Arrow Connector 53">
+            <a:extLst>
+              <a:ext uri="{FF2B5EF4-FFF2-40B4-BE49-F238E27FC236}">
+                <a16:creationId xmlns:a16="http://schemas.microsoft.com/office/drawing/2014/main" id="{FF54FA9A-C966-4BA7-A8FA-644961A81407}"/>
+              </a:ext>
+            </a:extLst>
+          </p:cNvPr>
+          <p:cNvCxnSpPr>
+            <a:cxnSpLocks/>
+            <a:stCxn id="9" idx="2"/>
+            <a:endCxn id="27" idx="0"/>
+          </p:cNvCxnSpPr>
+          <p:nvPr/>
+        </p:nvCxnSpPr>
+        <p:spPr>
+          <a:xfrm flipH="1">
+            <a:off x="3674491" y="3970542"/>
+            <a:ext cx="1" cy="527018"/>
+          </a:xfrm>
+          <a:prstGeom prst="straightConnector1">
+            <a:avLst/>
+          </a:prstGeom>
+          <a:ln>
+            <a:tailEnd type="triangle"/>
+          </a:ln>
+        </p:spPr>
+        <p:style>
+          <a:lnRef idx="1">
+            <a:schemeClr val="accent1"/>
+          </a:lnRef>
+          <a:fillRef idx="0">
+            <a:schemeClr val="accent1"/>
+          </a:fillRef>
+          <a:effectRef idx="0">
+            <a:schemeClr val="accent1"/>
+          </a:effectRef>
+          <a:fontRef idx="minor">
+            <a:schemeClr val="tx1"/>
+          </a:fontRef>
+        </p:style>
+      </p:cxnSp>
+      <p:cxnSp>
+        <p:nvCxnSpPr>
+          <p:cNvPr id="57" name="Straight Arrow Connector 56">
+            <a:extLst>
+              <a:ext uri="{FF2B5EF4-FFF2-40B4-BE49-F238E27FC236}">
+                <a16:creationId xmlns:a16="http://schemas.microsoft.com/office/drawing/2014/main" id="{03EB2960-0E26-4728-A86E-071E835597A5}"/>
+              </a:ext>
+            </a:extLst>
+          </p:cNvPr>
+          <p:cNvCxnSpPr>
+            <a:cxnSpLocks/>
+            <a:stCxn id="10" idx="2"/>
+            <a:endCxn id="28" idx="0"/>
+          </p:cNvCxnSpPr>
+          <p:nvPr/>
+        </p:nvCxnSpPr>
+        <p:spPr>
+          <a:xfrm>
+            <a:off x="5698834" y="4242745"/>
+            <a:ext cx="1797" cy="419662"/>
+          </a:xfrm>
+          <a:prstGeom prst="straightConnector1">
+            <a:avLst/>
+          </a:prstGeom>
+          <a:ln>
+            <a:tailEnd type="triangle"/>
+          </a:ln>
+        </p:spPr>
+        <p:style>
+          <a:lnRef idx="1">
+            <a:schemeClr val="accent1"/>
+          </a:lnRef>
+          <a:fillRef idx="0">
+            <a:schemeClr val="accent1"/>
+          </a:fillRef>
+          <a:effectRef idx="0">
+            <a:schemeClr val="accent1"/>
+          </a:effectRef>
+          <a:fontRef idx="minor">
+            <a:schemeClr val="tx1"/>
+          </a:fontRef>
+        </p:style>
+      </p:cxnSp>
+      <p:cxnSp>
+        <p:nvCxnSpPr>
+          <p:cNvPr id="61" name="Straight Arrow Connector 60">
+            <a:extLst>
+              <a:ext uri="{FF2B5EF4-FFF2-40B4-BE49-F238E27FC236}">
+                <a16:creationId xmlns:a16="http://schemas.microsoft.com/office/drawing/2014/main" id="{EBA992EF-21EB-4BBB-B408-B87D95409EF2}"/>
+              </a:ext>
+            </a:extLst>
+          </p:cNvPr>
+          <p:cNvCxnSpPr>
+            <a:cxnSpLocks/>
+            <a:stCxn id="11" idx="2"/>
+            <a:endCxn id="29" idx="0"/>
+          </p:cNvCxnSpPr>
+          <p:nvPr/>
+        </p:nvCxnSpPr>
+        <p:spPr>
+          <a:xfrm>
+            <a:off x="8105253" y="4212721"/>
+            <a:ext cx="7907" cy="258639"/>
+          </a:xfrm>
+          <a:prstGeom prst="straightConnector1">
+            <a:avLst/>
+          </a:prstGeom>
+          <a:ln>
+            <a:tailEnd type="triangle"/>
+          </a:ln>
+        </p:spPr>
+        <p:style>
+          <a:lnRef idx="1">
+            <a:schemeClr val="accent1"/>
+          </a:lnRef>
+          <a:fillRef idx="0">
+            <a:schemeClr val="accent1"/>
+          </a:fillRef>
+          <a:effectRef idx="0">
+            <a:schemeClr val="accent1"/>
+          </a:effectRef>
+          <a:fontRef idx="minor">
+            <a:schemeClr val="tx1"/>
+          </a:fontRef>
+        </p:style>
+      </p:cxnSp>
+    </p:spTree>
+    <p:extLst>
+      <p:ext uri="{BB962C8B-B14F-4D97-AF65-F5344CB8AC3E}">
+        <p14:creationId xmlns:p14="http://schemas.microsoft.com/office/powerpoint/2010/main" val="679314025"/>
+      </p:ext>
+    </p:extLst>
+  </p:cSld>
+  <p:clrMapOvr>
+    <a:masterClrMapping/>
+  </p:clrMapOvr>
+</p:sld>
+</file>
+
 <file path=ppt/theme/theme1.xml><?xml version="1.0" encoding="utf-8"?>
 <a:theme xmlns:a="http://schemas.openxmlformats.org/drawingml/2006/main" name="Office Theme">
   <a:themeElements>
